--- a/포론트엔드 개발 계획/프로젝트 일정수정.pptx
+++ b/포론트엔드 개발 계획/프로젝트 일정수정.pptx
@@ -14327,6 +14327,24 @@
           <a:p>
             <a:pPr algn="ctr"/>
             <a:r>
+              <a:rPr lang="en-US" altLang="ko-KR" smtClean="0">
+                <a:ea typeface="맑은 고딕"/>
+              </a:rPr>
+              <a:t>1</a:t>
+            </a:r>
+            <a:r>
+              <a:rPr lang="ko-KR" altLang="en-US" dirty="0" smtClean="0">
+                <a:ea typeface="맑은 고딕"/>
+              </a:rPr>
+              <a:t>월</a:t>
+            </a:r>
+            <a:endParaRPr lang="en-US" altLang="ko-KR" dirty="0" smtClean="0">
+              <a:ea typeface="맑은 고딕"/>
+            </a:endParaRPr>
+          </a:p>
+          <a:p>
+            <a:pPr algn="ctr"/>
+            <a:r>
               <a:rPr lang="en-US" altLang="ko-KR" dirty="0" smtClean="0">
                 <a:ea typeface="맑은 고딕"/>
               </a:rPr>
@@ -14368,12 +14386,6 @@
           </a:p>
           <a:p>
             <a:pPr algn="ctr"/>
-            <a:r>
-              <a:rPr lang="ko-KR" altLang="en-US" dirty="0" smtClean="0">
-                <a:ea typeface="맑은 고딕"/>
-              </a:rPr>
-              <a:t>끝내기</a:t>
-            </a:r>
             <a:endParaRPr lang="ko-KR" altLang="en-US" dirty="0">
               <a:ea typeface="맑은 고딕"/>
             </a:endParaRPr>

--- a/포론트엔드 개발 계획/프로젝트 일정수정.pptx
+++ b/포론트엔드 개발 계획/프로젝트 일정수정.pptx
@@ -651,7 +651,7 @@
           <a:p>
             <a:fld id="{2566825D-2B69-4989-8861-A6901ABADB6C}" type="datetimeFigureOut">
               <a:rPr lang="ko-KR" altLang="en-US" smtClean="0"/>
-              <a:t>2022-01-11</a:t>
+              <a:t>2022-01-27</a:t>
             </a:fld>
             <a:endParaRPr lang="ko-KR" altLang="en-US"/>
           </a:p>
@@ -819,7 +819,7 @@
           <a:p>
             <a:fld id="{2566825D-2B69-4989-8861-A6901ABADB6C}" type="datetimeFigureOut">
               <a:rPr lang="ko-KR" altLang="en-US" smtClean="0"/>
-              <a:t>2022-01-11</a:t>
+              <a:t>2022-01-27</a:t>
             </a:fld>
             <a:endParaRPr lang="ko-KR" altLang="en-US"/>
           </a:p>
@@ -997,7 +997,7 @@
           <a:p>
             <a:fld id="{2566825D-2B69-4989-8861-A6901ABADB6C}" type="datetimeFigureOut">
               <a:rPr lang="ko-KR" altLang="en-US" smtClean="0"/>
-              <a:t>2022-01-11</a:t>
+              <a:t>2022-01-27</a:t>
             </a:fld>
             <a:endParaRPr lang="ko-KR" altLang="en-US"/>
           </a:p>
@@ -1165,7 +1165,7 @@
           <a:p>
             <a:fld id="{2566825D-2B69-4989-8861-A6901ABADB6C}" type="datetimeFigureOut">
               <a:rPr lang="ko-KR" altLang="en-US" smtClean="0"/>
-              <a:t>2022-01-11</a:t>
+              <a:t>2022-01-27</a:t>
             </a:fld>
             <a:endParaRPr lang="ko-KR" altLang="en-US"/>
           </a:p>
@@ -1410,7 +1410,7 @@
           <a:p>
             <a:fld id="{2566825D-2B69-4989-8861-A6901ABADB6C}" type="datetimeFigureOut">
               <a:rPr lang="ko-KR" altLang="en-US" smtClean="0"/>
-              <a:t>2022-01-11</a:t>
+              <a:t>2022-01-27</a:t>
             </a:fld>
             <a:endParaRPr lang="ko-KR" altLang="en-US"/>
           </a:p>
@@ -1639,7 +1639,7 @@
           <a:p>
             <a:fld id="{2566825D-2B69-4989-8861-A6901ABADB6C}" type="datetimeFigureOut">
               <a:rPr lang="ko-KR" altLang="en-US" smtClean="0"/>
-              <a:t>2022-01-11</a:t>
+              <a:t>2022-01-27</a:t>
             </a:fld>
             <a:endParaRPr lang="ko-KR" altLang="en-US"/>
           </a:p>
@@ -2003,7 +2003,7 @@
           <a:p>
             <a:fld id="{2566825D-2B69-4989-8861-A6901ABADB6C}" type="datetimeFigureOut">
               <a:rPr lang="ko-KR" altLang="en-US" smtClean="0"/>
-              <a:t>2022-01-11</a:t>
+              <a:t>2022-01-27</a:t>
             </a:fld>
             <a:endParaRPr lang="ko-KR" altLang="en-US"/>
           </a:p>
@@ -2120,7 +2120,7 @@
           <a:p>
             <a:fld id="{2566825D-2B69-4989-8861-A6901ABADB6C}" type="datetimeFigureOut">
               <a:rPr lang="ko-KR" altLang="en-US" smtClean="0"/>
-              <a:t>2022-01-11</a:t>
+              <a:t>2022-01-27</a:t>
             </a:fld>
             <a:endParaRPr lang="ko-KR" altLang="en-US"/>
           </a:p>
@@ -2215,7 +2215,7 @@
           <a:p>
             <a:fld id="{2566825D-2B69-4989-8861-A6901ABADB6C}" type="datetimeFigureOut">
               <a:rPr lang="ko-KR" altLang="en-US" smtClean="0"/>
-              <a:t>2022-01-11</a:t>
+              <a:t>2022-01-27</a:t>
             </a:fld>
             <a:endParaRPr lang="ko-KR" altLang="en-US"/>
           </a:p>
@@ -2490,7 +2490,7 @@
           <a:p>
             <a:fld id="{2566825D-2B69-4989-8861-A6901ABADB6C}" type="datetimeFigureOut">
               <a:rPr lang="ko-KR" altLang="en-US" smtClean="0"/>
-              <a:t>2022-01-11</a:t>
+              <a:t>2022-01-27</a:t>
             </a:fld>
             <a:endParaRPr lang="ko-KR" altLang="en-US"/>
           </a:p>
@@ -2742,7 +2742,7 @@
           <a:p>
             <a:fld id="{2566825D-2B69-4989-8861-A6901ABADB6C}" type="datetimeFigureOut">
               <a:rPr lang="ko-KR" altLang="en-US" smtClean="0"/>
-              <a:t>2022-01-11</a:t>
+              <a:t>2022-01-27</a:t>
             </a:fld>
             <a:endParaRPr lang="ko-KR" altLang="en-US"/>
           </a:p>
@@ -2953,7 +2953,7 @@
           <a:p>
             <a:fld id="{2566825D-2B69-4989-8861-A6901ABADB6C}" type="datetimeFigureOut">
               <a:rPr lang="ko-KR" altLang="en-US" smtClean="0"/>
-              <a:t>2022-01-11</a:t>
+              <a:t>2022-01-27</a:t>
             </a:fld>
             <a:endParaRPr lang="ko-KR" altLang="en-US"/>
           </a:p>
@@ -14283,10 +14283,10 @@
       </p:sp>
       <p:sp>
         <p:nvSpPr>
-          <p:cNvPr id="8" name="직사각형 7">
+          <p:cNvPr id="7" name="직사각형 6">
             <a:extLst>
               <a:ext uri="{FF2B5EF4-FFF2-40B4-BE49-F238E27FC236}">
-                <a16:creationId xmlns:a16="http://schemas.microsoft.com/office/drawing/2014/main" id="{CB81ADA6-09C5-44BD-90D4-878DAF413389}"/>
+                <a16:creationId xmlns:a16="http://schemas.microsoft.com/office/drawing/2014/main" id="{4C84A7E0-1CB0-436F-B6FD-109D05E10D07}"/>
               </a:ext>
             </a:extLst>
           </p:cNvPr>
@@ -14295,14 +14295,14 @@
         </p:nvSpPr>
         <p:spPr>
           <a:xfrm>
-            <a:off x="7107042" y="3232858"/>
-            <a:ext cx="1849068" cy="2442218"/>
+            <a:off x="7107042" y="3241282"/>
+            <a:ext cx="1836542" cy="2433793"/>
           </a:xfrm>
           <a:prstGeom prst="rect">
             <a:avLst/>
           </a:prstGeom>
           <a:solidFill>
-            <a:srgbClr val="C00000"/>
+            <a:schemeClr val="tx2"/>
           </a:solidFill>
         </p:spPr>
         <p:style>
@@ -14326,69 +14326,7 @@
           <a:lstStyle/>
           <a:p>
             <a:pPr algn="ctr"/>
-            <a:r>
-              <a:rPr lang="en-US" altLang="ko-KR" smtClean="0">
-                <a:ea typeface="맑은 고딕"/>
-              </a:rPr>
-              <a:t>1</a:t>
-            </a:r>
-            <a:r>
-              <a:rPr lang="ko-KR" altLang="en-US" dirty="0" smtClean="0">
-                <a:ea typeface="맑은 고딕"/>
-              </a:rPr>
-              <a:t>월</a:t>
-            </a:r>
-            <a:endParaRPr lang="en-US" altLang="ko-KR" dirty="0" smtClean="0">
-              <a:ea typeface="맑은 고딕"/>
-            </a:endParaRPr>
-          </a:p>
-          <a:p>
-            <a:pPr algn="ctr"/>
-            <a:r>
-              <a:rPr lang="en-US" altLang="ko-KR" dirty="0" smtClean="0">
-                <a:ea typeface="맑은 고딕"/>
-              </a:rPr>
-              <a:t>3</a:t>
-            </a:r>
-            <a:r>
-              <a:rPr lang="ko-KR" altLang="en-US" dirty="0" err="1" smtClean="0">
-                <a:ea typeface="맑은 고딕"/>
-              </a:rPr>
-              <a:t>째주까지</a:t>
-            </a:r>
-            <a:r>
-              <a:rPr lang="ko-KR" altLang="en-US" dirty="0" smtClean="0">
-                <a:ea typeface="맑은 고딕"/>
-              </a:rPr>
-              <a:t> </a:t>
-            </a:r>
-            <a:endParaRPr lang="en-US" altLang="ko-KR" dirty="0" smtClean="0">
-              <a:ea typeface="맑은 고딕"/>
-            </a:endParaRPr>
-          </a:p>
-          <a:p>
-            <a:pPr algn="ctr"/>
-            <a:r>
-              <a:rPr lang="ko-KR" altLang="en-US" dirty="0" err="1" smtClean="0">
-                <a:ea typeface="맑은 고딕"/>
-              </a:rPr>
-              <a:t>메인페이지</a:t>
-            </a:r>
-            <a:r>
-              <a:rPr lang="ko-KR" altLang="en-US" dirty="0" smtClean="0">
-                <a:ea typeface="맑은 고딕"/>
-              </a:rPr>
-              <a:t> </a:t>
-            </a:r>
-            <a:endParaRPr lang="en-US" altLang="ko-KR" dirty="0" smtClean="0">
-              <a:ea typeface="맑은 고딕"/>
-            </a:endParaRPr>
-          </a:p>
-          <a:p>
-            <a:pPr algn="ctr"/>
-            <a:endParaRPr lang="ko-KR" altLang="en-US" dirty="0">
-              <a:ea typeface="맑은 고딕"/>
-            </a:endParaRPr>
+            <a:endParaRPr lang="ko-KR" altLang="en-US"/>
           </a:p>
         </p:txBody>
       </p:sp>
